--- a/5_Allegati/Presentazione/Alessandro Perri- Presentazione progetto.pptx
+++ b/5_Allegati/Presentazione/Alessandro Perri- Presentazione progetto.pptx
@@ -5,7 +5,7 @@
     <p:sldMasterId id="2147484369" r:id="rId1"/>
   </p:sldMasterIdLst>
   <p:notesMasterIdLst>
-    <p:notesMasterId r:id="rId14"/>
+    <p:notesMasterId r:id="rId15"/>
   </p:notesMasterIdLst>
   <p:sldIdLst>
     <p:sldId id="256" r:id="rId2"/>
@@ -16,10 +16,11 @@
     <p:sldId id="261" r:id="rId7"/>
     <p:sldId id="262" r:id="rId8"/>
     <p:sldId id="267" r:id="rId9"/>
-    <p:sldId id="268" r:id="rId10"/>
-    <p:sldId id="263" r:id="rId11"/>
-    <p:sldId id="269" r:id="rId12"/>
-    <p:sldId id="266" r:id="rId13"/>
+    <p:sldId id="270" r:id="rId10"/>
+    <p:sldId id="268" r:id="rId11"/>
+    <p:sldId id="263" r:id="rId12"/>
+    <p:sldId id="269" r:id="rId13"/>
+    <p:sldId id="266" r:id="rId14"/>
   </p:sldIdLst>
   <p:sldSz cx="12192000" cy="6858000"/>
   <p:notesSz cx="6858000" cy="9144000"/>
@@ -222,7 +223,7 @@
           <a:p>
             <a:fld id="{F31FA064-93A3-4921-824B-32091F662305}" type="datetimeFigureOut">
               <a:rPr lang="it-CH" smtClean="0"/>
-              <a:t>12.01.2023</a:t>
+              <a:t>13.01.2023</a:t>
             </a:fld>
             <a:endParaRPr lang="it-CH"/>
           </a:p>
@@ -695,7 +696,7 @@
           <a:p>
             <a:fld id="{C97B2E06-1825-42F7-9BEB-CC5A4FB3805F}" type="slidenum">
               <a:rPr lang="it-CH" smtClean="0"/>
-              <a:t>11</a:t>
+              <a:t>12</a:t>
             </a:fld>
             <a:endParaRPr lang="it-CH"/>
           </a:p>
@@ -1476,7 +1477,7 @@
           <a:p>
             <a:fld id="{C97B2E06-1825-42F7-9BEB-CC5A4FB3805F}" type="slidenum">
               <a:rPr lang="it-CH" smtClean="0"/>
-              <a:t>9</a:t>
+              <a:t>10</a:t>
             </a:fld>
             <a:endParaRPr lang="it-CH"/>
           </a:p>
@@ -1586,7 +1587,7 @@
           <a:p>
             <a:fld id="{C97B2E06-1825-42F7-9BEB-CC5A4FB3805F}" type="slidenum">
               <a:rPr lang="it-CH" smtClean="0"/>
-              <a:t>10</a:t>
+              <a:t>11</a:t>
             </a:fld>
             <a:endParaRPr lang="it-CH"/>
           </a:p>
@@ -1796,7 +1797,7 @@
           <a:p>
             <a:fld id="{58FCC8F6-E24E-4D4D-946B-61CF384F5C81}" type="datetime1">
               <a:rPr lang="it-CH" smtClean="0"/>
-              <a:t>12.01.2023</a:t>
+              <a:t>13.01.2023</a:t>
             </a:fld>
             <a:endParaRPr lang="it-CH"/>
           </a:p>
@@ -2235,7 +2236,7 @@
           <a:p>
             <a:fld id="{93345E0E-1A0A-47F6-8ECE-E75BA2D95E9A}" type="datetime1">
               <a:rPr lang="it-CH" smtClean="0"/>
-              <a:t>12.01.2023</a:t>
+              <a:t>13.01.2023</a:t>
             </a:fld>
             <a:endParaRPr lang="it-CH"/>
           </a:p>
@@ -2488,7 +2489,7 @@
           <a:p>
             <a:fld id="{5258AA97-A9DE-4CB2-8604-A8D933B10515}" type="datetime1">
               <a:rPr lang="it-CH" smtClean="0"/>
-              <a:t>12.01.2023</a:t>
+              <a:t>13.01.2023</a:t>
             </a:fld>
             <a:endParaRPr lang="it-CH"/>
           </a:p>
@@ -2799,7 +2800,7 @@
           <a:p>
             <a:fld id="{630A3F86-189F-4375-AAFD-5254125FD63A}" type="datetime1">
               <a:rPr lang="it-CH" smtClean="0"/>
-              <a:t>12.01.2023</a:t>
+              <a:t>13.01.2023</a:t>
             </a:fld>
             <a:endParaRPr lang="it-CH"/>
           </a:p>
@@ -3120,7 +3121,7 @@
           <a:p>
             <a:fld id="{1C6525E7-954F-4FFC-B49A-AB6937A78247}" type="datetime1">
               <a:rPr lang="it-CH" smtClean="0"/>
-              <a:t>12.01.2023</a:t>
+              <a:t>13.01.2023</a:t>
             </a:fld>
             <a:endParaRPr lang="it-CH"/>
           </a:p>
@@ -3425,7 +3426,7 @@
           <a:p>
             <a:fld id="{082CBDDD-5578-413F-92F3-24739C798165}" type="datetime1">
               <a:rPr lang="it-CH" smtClean="0"/>
-              <a:t>12.01.2023</a:t>
+              <a:t>13.01.2023</a:t>
             </a:fld>
             <a:endParaRPr lang="it-CH"/>
           </a:p>
@@ -3795,7 +3796,7 @@
           <a:p>
             <a:fld id="{CA9CBEC7-6E9F-400C-9E5F-EFAED6D2ABCA}" type="datetime1">
               <a:rPr lang="it-CH" smtClean="0"/>
-              <a:t>12.01.2023</a:t>
+              <a:t>13.01.2023</a:t>
             </a:fld>
             <a:endParaRPr lang="it-CH"/>
           </a:p>
@@ -3972,7 +3973,7 @@
           <a:p>
             <a:fld id="{849FCB2B-A563-4368-9916-2B244CA4FED5}" type="datetime1">
               <a:rPr lang="it-CH" smtClean="0"/>
-              <a:t>12.01.2023</a:t>
+              <a:t>13.01.2023</a:t>
             </a:fld>
             <a:endParaRPr lang="it-CH"/>
           </a:p>
@@ -4155,7 +4156,7 @@
           <a:p>
             <a:fld id="{3624C08C-9A46-42DE-AB32-1907C7FF3DE1}" type="datetime1">
               <a:rPr lang="it-CH" smtClean="0"/>
-              <a:t>12.01.2023</a:t>
+              <a:t>13.01.2023</a:t>
             </a:fld>
             <a:endParaRPr lang="it-CH"/>
           </a:p>
@@ -4328,7 +4329,7 @@
           <a:p>
             <a:fld id="{3939B38E-E1BC-401A-B9B4-F0140B93E2C1}" type="datetime1">
               <a:rPr lang="it-CH" smtClean="0"/>
-              <a:t>12.01.2023</a:t>
+              <a:t>13.01.2023</a:t>
             </a:fld>
             <a:endParaRPr lang="it-CH"/>
           </a:p>
@@ -4581,7 +4582,7 @@
           <a:p>
             <a:fld id="{F3C79DD2-9FC7-4848-8A6E-11D466DFAD38}" type="datetime1">
               <a:rPr lang="it-CH" smtClean="0"/>
-              <a:t>12.01.2023</a:t>
+              <a:t>13.01.2023</a:t>
             </a:fld>
             <a:endParaRPr lang="it-CH"/>
           </a:p>
@@ -4820,7 +4821,7 @@
           <a:p>
             <a:fld id="{DE244F6C-1AA4-4EB4-B5FC-1AE83A7A5F19}" type="datetime1">
               <a:rPr lang="it-CH" smtClean="0"/>
-              <a:t>12.01.2023</a:t>
+              <a:t>13.01.2023</a:t>
             </a:fld>
             <a:endParaRPr lang="it-CH"/>
           </a:p>
@@ -5210,7 +5211,7 @@
           <a:p>
             <a:fld id="{B5996280-8D2E-4866-A789-E7E19ADB5585}" type="datetime1">
               <a:rPr lang="it-CH" smtClean="0"/>
-              <a:t>12.01.2023</a:t>
+              <a:t>13.01.2023</a:t>
             </a:fld>
             <a:endParaRPr lang="it-CH"/>
           </a:p>
@@ -5336,7 +5337,7 @@
           <a:p>
             <a:fld id="{9D3DAB1F-88F0-441A-A778-5F6520D157B4}" type="datetime1">
               <a:rPr lang="it-CH" smtClean="0"/>
-              <a:t>12.01.2023</a:t>
+              <a:t>13.01.2023</a:t>
             </a:fld>
             <a:endParaRPr lang="it-CH"/>
           </a:p>
@@ -5434,7 +5435,7 @@
           <a:p>
             <a:fld id="{45084A76-6F80-416D-AC21-B353B15F814A}" type="datetime1">
               <a:rPr lang="it-CH" smtClean="0"/>
-              <a:t>12.01.2023</a:t>
+              <a:t>13.01.2023</a:t>
             </a:fld>
             <a:endParaRPr lang="it-CH"/>
           </a:p>
@@ -5692,7 +5693,7 @@
           <a:p>
             <a:fld id="{4B2070A6-8D5E-4697-A9C9-A5BE040586FA}" type="datetime1">
               <a:rPr lang="it-CH" smtClean="0"/>
-              <a:t>12.01.2023</a:t>
+              <a:t>13.01.2023</a:t>
             </a:fld>
             <a:endParaRPr lang="it-CH"/>
           </a:p>
@@ -5983,7 +5984,7 @@
           <a:p>
             <a:fld id="{17ED5A33-B3F4-4951-A44D-315D05BC37E0}" type="datetime1">
               <a:rPr lang="it-CH" smtClean="0"/>
-              <a:t>12.01.2023</a:t>
+              <a:t>13.01.2023</a:t>
             </a:fld>
             <a:endParaRPr lang="it-CH"/>
           </a:p>
@@ -6392,7 +6393,7 @@
           <a:p>
             <a:fld id="{CBA89B23-14A4-45C3-9E8E-5CCD9FEA8CBA}" type="datetime1">
               <a:rPr lang="it-CH" smtClean="0"/>
-              <a:t>12.01.2023</a:t>
+              <a:t>13.01.2023</a:t>
             </a:fld>
             <a:endParaRPr lang="it-CH"/>
           </a:p>
@@ -7056,7 +7057,7 @@
           <a:p>
             <a:r>
               <a:rPr lang="it-CH" sz="4000" dirty="0"/>
-              <a:t>Mancanze</a:t>
+              <a:t>Struttura</a:t>
             </a:r>
             <a:endParaRPr lang="it-CH" sz="4800" dirty="0"/>
           </a:p>
@@ -7080,30 +7081,65 @@
         </p:nvSpPr>
         <p:spPr>
           <a:xfrm>
-            <a:off x="632454" y="1883177"/>
-            <a:ext cx="8534400" cy="914887"/>
+            <a:off x="659886" y="1590569"/>
+            <a:ext cx="8534400" cy="1079479"/>
           </a:xfrm>
         </p:spPr>
         <p:txBody>
           <a:bodyPr anchor="t">
-            <a:normAutofit/>
+            <a:normAutofit fontScale="85000" lnSpcReduction="20000"/>
           </a:bodyPr>
           <a:lstStyle/>
           <a:p>
             <a:r>
               <a:rPr lang="it-IT" dirty="0"/>
-              <a:t>Modalità </a:t>
-            </a:r>
-            <a:r>
-              <a:rPr lang="it-IT" u="sng" dirty="0"/>
-              <a:t>single player</a:t>
-            </a:r>
-          </a:p>
-          <a:p>
-            <a:r>
-              <a:rPr lang="it-IT" u="sng" dirty="0"/>
-              <a:t>Gravità</a:t>
-            </a:r>
+              <a:t>La struttura delle varie classi è molto chiara</a:t>
+            </a:r>
+          </a:p>
+          <a:p>
+            <a:r>
+              <a:rPr lang="it-IT" dirty="0"/>
+              <a:t>Assets </a:t>
+            </a:r>
+            <a:r>
+              <a:rPr lang="it-IT" dirty="0">
+                <a:sym typeface="Wingdings" panose="05000000000000000000" pitchFamily="2" charset="2"/>
+              </a:rPr>
+              <a:t> </a:t>
+            </a:r>
+            <a:r>
+              <a:rPr lang="it-IT" u="sng" dirty="0">
+                <a:sym typeface="Wingdings" panose="05000000000000000000" pitchFamily="2" charset="2"/>
+              </a:rPr>
+              <a:t>libreria e immagini</a:t>
+            </a:r>
+          </a:p>
+          <a:p>
+            <a:r>
+              <a:rPr lang="it-IT" dirty="0" err="1">
+                <a:sym typeface="Wingdings" panose="05000000000000000000" pitchFamily="2" charset="2"/>
+              </a:rPr>
+              <a:t>Js</a:t>
+            </a:r>
+            <a:r>
+              <a:rPr lang="it-IT" dirty="0">
+                <a:sym typeface="Wingdings" panose="05000000000000000000" pitchFamily="2" charset="2"/>
+              </a:rPr>
+              <a:t>  </a:t>
+            </a:r>
+            <a:r>
+              <a:rPr lang="it-IT" u="sng" dirty="0">
+                <a:sym typeface="Wingdings" panose="05000000000000000000" pitchFamily="2" charset="2"/>
+              </a:rPr>
+              <a:t>scene e </a:t>
+            </a:r>
+            <a:r>
+              <a:rPr lang="it-IT" u="sng" dirty="0" err="1">
+                <a:sym typeface="Wingdings" panose="05000000000000000000" pitchFamily="2" charset="2"/>
+              </a:rPr>
+              <a:t>sprite</a:t>
+            </a:r>
+            <a:endParaRPr lang="it-IT" u="sng" dirty="0"/>
           </a:p>
           <a:p>
             <a:endParaRPr lang="it-IT" dirty="0"/>
@@ -7133,7 +7169,7 @@
           <a:p>
             <a:fld id="{4ABF0D6F-8411-4776-BE52-983B74FEDAD2}" type="datetime1">
               <a:rPr lang="it-CH" smtClean="0"/>
-              <a:t>12.01.2023</a:t>
+              <a:t>13.01.2023</a:t>
             </a:fld>
             <a:endParaRPr lang="it-CH"/>
           </a:p>
@@ -7167,10 +7203,50 @@
           </a:p>
         </p:txBody>
       </p:sp>
+      <p:pic>
+        <p:nvPicPr>
+          <p:cNvPr id="7" name="Immagine 6">
+            <a:extLst>
+              <a:ext uri="{FF2B5EF4-FFF2-40B4-BE49-F238E27FC236}">
+                <a16:creationId xmlns:a16="http://schemas.microsoft.com/office/drawing/2014/main" id="{96786835-EB21-5C2B-65BD-BABF858C8605}"/>
+              </a:ext>
+            </a:extLst>
+          </p:cNvPr>
+          <p:cNvPicPr>
+            <a:picLocks noChangeAspect="1"/>
+          </p:cNvPicPr>
+          <p:nvPr/>
+        </p:nvPicPr>
+        <p:blipFill>
+          <a:blip r:embed="rId3"/>
+          <a:stretch>
+            <a:fillRect/>
+          </a:stretch>
+        </p:blipFill>
+        <p:spPr>
+          <a:xfrm>
+            <a:off x="7235962" y="444733"/>
+            <a:ext cx="2591529" cy="5865040"/>
+          </a:xfrm>
+          <a:prstGeom prst="rect">
+            <a:avLst/>
+          </a:prstGeom>
+          <a:ln>
+            <a:noFill/>
+          </a:ln>
+          <a:effectLst>
+            <a:outerShdw blurRad="190500" algn="tl" rotWithShape="0">
+              <a:srgbClr val="000000">
+                <a:alpha val="70000"/>
+              </a:srgbClr>
+            </a:outerShdw>
+          </a:effectLst>
+        </p:spPr>
+      </p:pic>
     </p:spTree>
     <p:extLst>
       <p:ext uri="{BB962C8B-B14F-4D97-AF65-F5344CB8AC3E}">
-        <p14:creationId xmlns:p14="http://schemas.microsoft.com/office/powerpoint/2010/main" val="4139374153"/>
+        <p14:creationId xmlns:p14="http://schemas.microsoft.com/office/powerpoint/2010/main" val="3703225769"/>
       </p:ext>
     </p:extLst>
   </p:cSld>
@@ -7227,7 +7303,7 @@
           <a:p>
             <a:r>
               <a:rPr lang="it-CH" sz="4000" dirty="0"/>
-              <a:t>Sviluppi futuri</a:t>
+              <a:t>Mancanze</a:t>
             </a:r>
             <a:endParaRPr lang="it-CH" sz="4800" dirty="0"/>
           </a:p>
@@ -7252,42 +7328,28 @@
         <p:spPr>
           <a:xfrm>
             <a:off x="632454" y="1883177"/>
-            <a:ext cx="8534400" cy="2167616"/>
+            <a:ext cx="8534400" cy="914887"/>
           </a:xfrm>
         </p:spPr>
         <p:txBody>
           <a:bodyPr anchor="t">
-            <a:normAutofit lnSpcReduction="10000"/>
+            <a:normAutofit/>
           </a:bodyPr>
           <a:lstStyle/>
           <a:p>
             <a:r>
               <a:rPr lang="it-IT" dirty="0"/>
-              <a:t>Score finale / classifica finale</a:t>
-            </a:r>
-          </a:p>
-          <a:p>
-            <a:r>
-              <a:rPr lang="it-IT" dirty="0"/>
-              <a:t>Possibilità di mettere in pausa</a:t>
-            </a:r>
-          </a:p>
-          <a:p>
-            <a:r>
-              <a:rPr lang="it-IT" dirty="0"/>
-              <a:t>Più possibilità di scelta</a:t>
-            </a:r>
-          </a:p>
-          <a:p>
-            <a:r>
-              <a:rPr lang="it-IT" dirty="0"/>
-              <a:t>Aggiunta di oggetti volanti</a:t>
-            </a:r>
-          </a:p>
-          <a:p>
-            <a:r>
-              <a:rPr lang="it-IT" dirty="0"/>
-              <a:t>Altre cose da sparare</a:t>
+              <a:t>Modalità </a:t>
+            </a:r>
+            <a:r>
+              <a:rPr lang="it-IT" u="sng" dirty="0"/>
+              <a:t>single player</a:t>
+            </a:r>
+          </a:p>
+          <a:p>
+            <a:r>
+              <a:rPr lang="it-IT" u="sng" dirty="0"/>
+              <a:t>Gravità</a:t>
             </a:r>
           </a:p>
           <a:p>
@@ -7318,7 +7380,7 @@
           <a:p>
             <a:fld id="{4ABF0D6F-8411-4776-BE52-983B74FEDAD2}" type="datetime1">
               <a:rPr lang="it-CH" smtClean="0"/>
-              <a:t>12.01.2023</a:t>
+              <a:t>13.01.2023</a:t>
             </a:fld>
             <a:endParaRPr lang="it-CH"/>
           </a:p>
@@ -7355,7 +7417,7 @@
     </p:spTree>
     <p:extLst>
       <p:ext uri="{BB962C8B-B14F-4D97-AF65-F5344CB8AC3E}">
-        <p14:creationId xmlns:p14="http://schemas.microsoft.com/office/powerpoint/2010/main" val="3014220310"/>
+        <p14:creationId xmlns:p14="http://schemas.microsoft.com/office/powerpoint/2010/main" val="4139374153"/>
       </p:ext>
     </p:extLst>
   </p:cSld>
@@ -7411,8 +7473,8 @@
           <a:lstStyle/>
           <a:p>
             <a:r>
-              <a:rPr lang="it-CH" sz="4000" dirty="0" err="1"/>
-              <a:t>CONclusioni</a:t>
+              <a:rPr lang="it-CH" sz="4000" dirty="0"/>
+              <a:t>Sviluppi futuri</a:t>
             </a:r>
             <a:endParaRPr lang="it-CH" sz="4800" dirty="0"/>
           </a:p>
@@ -7436,6 +7498,191 @@
         </p:nvSpPr>
         <p:spPr>
           <a:xfrm>
+            <a:off x="632454" y="1883177"/>
+            <a:ext cx="8534400" cy="2167616"/>
+          </a:xfrm>
+        </p:spPr>
+        <p:txBody>
+          <a:bodyPr anchor="t">
+            <a:normAutofit lnSpcReduction="10000"/>
+          </a:bodyPr>
+          <a:lstStyle/>
+          <a:p>
+            <a:r>
+              <a:rPr lang="it-IT" dirty="0"/>
+              <a:t>Score finale / classifica finale</a:t>
+            </a:r>
+          </a:p>
+          <a:p>
+            <a:r>
+              <a:rPr lang="it-IT" dirty="0"/>
+              <a:t>Possibilità di mettere in pausa</a:t>
+            </a:r>
+          </a:p>
+          <a:p>
+            <a:r>
+              <a:rPr lang="it-IT" dirty="0"/>
+              <a:t>Più possibilità di scelta</a:t>
+            </a:r>
+          </a:p>
+          <a:p>
+            <a:r>
+              <a:rPr lang="it-IT" dirty="0"/>
+              <a:t>Aggiunta di oggetti volanti</a:t>
+            </a:r>
+          </a:p>
+          <a:p>
+            <a:r>
+              <a:rPr lang="it-IT" dirty="0"/>
+              <a:t>Altre cose da sparare</a:t>
+            </a:r>
+          </a:p>
+          <a:p>
+            <a:endParaRPr lang="it-IT" dirty="0"/>
+          </a:p>
+        </p:txBody>
+      </p:sp>
+      <p:sp>
+        <p:nvSpPr>
+          <p:cNvPr id="4" name="Segnaposto data 3">
+            <a:extLst>
+              <a:ext uri="{FF2B5EF4-FFF2-40B4-BE49-F238E27FC236}">
+                <a16:creationId xmlns:a16="http://schemas.microsoft.com/office/drawing/2014/main" id="{798E85C1-B357-3524-56B4-2EBBF51903CA}"/>
+              </a:ext>
+            </a:extLst>
+          </p:cNvPr>
+          <p:cNvSpPr>
+            <a:spLocks noGrp="1"/>
+          </p:cNvSpPr>
+          <p:nvPr>
+            <p:ph type="dt" sz="half" idx="10"/>
+          </p:nvPr>
+        </p:nvSpPr>
+        <p:spPr/>
+        <p:txBody>
+          <a:bodyPr/>
+          <a:lstStyle/>
+          <a:p>
+            <a:fld id="{4ABF0D6F-8411-4776-BE52-983B74FEDAD2}" type="datetime1">
+              <a:rPr lang="it-CH" smtClean="0"/>
+              <a:t>13.01.2023</a:t>
+            </a:fld>
+            <a:endParaRPr lang="it-CH"/>
+          </a:p>
+        </p:txBody>
+      </p:sp>
+      <p:sp>
+        <p:nvSpPr>
+          <p:cNvPr id="5" name="Segnaposto piè di pagina 4">
+            <a:extLst>
+              <a:ext uri="{FF2B5EF4-FFF2-40B4-BE49-F238E27FC236}">
+                <a16:creationId xmlns:a16="http://schemas.microsoft.com/office/drawing/2014/main" id="{E9CE9A12-B7F6-9102-C04B-453124489C73}"/>
+              </a:ext>
+            </a:extLst>
+          </p:cNvPr>
+          <p:cNvSpPr>
+            <a:spLocks noGrp="1"/>
+          </p:cNvSpPr>
+          <p:nvPr>
+            <p:ph type="ftr" sz="quarter" idx="11"/>
+          </p:nvPr>
+        </p:nvSpPr>
+        <p:spPr/>
+        <p:txBody>
+          <a:bodyPr/>
+          <a:lstStyle/>
+          <a:p>
+            <a:r>
+              <a:rPr lang="it-CH" dirty="0"/>
+              <a:t>Alessandro Perri</a:t>
+            </a:r>
+          </a:p>
+        </p:txBody>
+      </p:sp>
+    </p:spTree>
+    <p:extLst>
+      <p:ext uri="{BB962C8B-B14F-4D97-AF65-F5344CB8AC3E}">
+        <p14:creationId xmlns:p14="http://schemas.microsoft.com/office/powerpoint/2010/main" val="3014220310"/>
+      </p:ext>
+    </p:extLst>
+  </p:cSld>
+  <p:clrMapOvr>
+    <a:masterClrMapping/>
+  </p:clrMapOvr>
+</p:sld>
+</file>
+
+<file path=ppt/slides/slide13.xml><?xml version="1.0" encoding="utf-8"?>
+<p:sld xmlns:a="http://schemas.openxmlformats.org/drawingml/2006/main" xmlns:r="http://schemas.openxmlformats.org/officeDocument/2006/relationships" xmlns:p="http://schemas.openxmlformats.org/presentationml/2006/main">
+  <p:cSld>
+    <p:spTree>
+      <p:nvGrpSpPr>
+        <p:cNvPr id="1" name=""/>
+        <p:cNvGrpSpPr/>
+        <p:nvPr/>
+      </p:nvGrpSpPr>
+      <p:grpSpPr>
+        <a:xfrm>
+          <a:off x="0" y="0"/>
+          <a:ext cx="0" cy="0"/>
+          <a:chOff x="0" y="0"/>
+          <a:chExt cx="0" cy="0"/>
+        </a:xfrm>
+      </p:grpSpPr>
+      <p:sp>
+        <p:nvSpPr>
+          <p:cNvPr id="2" name="Titolo 1">
+            <a:extLst>
+              <a:ext uri="{FF2B5EF4-FFF2-40B4-BE49-F238E27FC236}">
+                <a16:creationId xmlns:a16="http://schemas.microsoft.com/office/drawing/2014/main" id="{55AA654D-08D9-C1B5-AAE5-3225A1EF8C05}"/>
+              </a:ext>
+            </a:extLst>
+          </p:cNvPr>
+          <p:cNvSpPr>
+            <a:spLocks noGrp="1"/>
+          </p:cNvSpPr>
+          <p:nvPr>
+            <p:ph type="title"/>
+          </p:nvPr>
+        </p:nvSpPr>
+        <p:spPr>
+          <a:xfrm>
+            <a:off x="684212" y="396596"/>
+            <a:ext cx="8534400" cy="1507067"/>
+          </a:xfrm>
+        </p:spPr>
+        <p:txBody>
+          <a:bodyPr>
+            <a:normAutofit/>
+          </a:bodyPr>
+          <a:lstStyle/>
+          <a:p>
+            <a:r>
+              <a:rPr lang="it-CH" sz="4000" dirty="0" err="1"/>
+              <a:t>CONclusioni</a:t>
+            </a:r>
+            <a:endParaRPr lang="it-CH" sz="4800" dirty="0"/>
+          </a:p>
+        </p:txBody>
+      </p:sp>
+      <p:sp>
+        <p:nvSpPr>
+          <p:cNvPr id="3" name="Segnaposto contenuto 2">
+            <a:extLst>
+              <a:ext uri="{FF2B5EF4-FFF2-40B4-BE49-F238E27FC236}">
+                <a16:creationId xmlns:a16="http://schemas.microsoft.com/office/drawing/2014/main" id="{078BAFA8-35BB-3D0D-27C5-201B761D541F}"/>
+              </a:ext>
+            </a:extLst>
+          </p:cNvPr>
+          <p:cNvSpPr>
+            <a:spLocks noGrp="1"/>
+          </p:cNvSpPr>
+          <p:nvPr>
+            <p:ph idx="1"/>
+          </p:nvPr>
+        </p:nvSpPr>
+        <p:spPr>
+          <a:xfrm>
             <a:off x="684212" y="1902327"/>
             <a:ext cx="8534400" cy="1953682"/>
           </a:xfrm>
@@ -7506,7 +7753,7 @@
           <a:p>
             <a:fld id="{8AD5B432-3A45-4877-9852-99B3FE2EC0D9}" type="datetime1">
               <a:rPr lang="it-CH" smtClean="0"/>
-              <a:t>12.01.2023</a:t>
+              <a:t>13.01.2023</a:t>
             </a:fld>
             <a:endParaRPr lang="it-CH"/>
           </a:p>
@@ -7712,7 +7959,7 @@
           <a:p>
             <a:fld id="{D786D1CF-43C7-45F3-AE54-56ABD9923C33}" type="datetime1">
               <a:rPr lang="it-CH" smtClean="0"/>
-              <a:t>12.01.2023</a:t>
+              <a:t>13.01.2023</a:t>
             </a:fld>
             <a:endParaRPr lang="it-CH"/>
           </a:p>
@@ -7917,7 +8164,7 @@
           <a:p>
             <a:fld id="{55BA59FC-A13D-4D56-A3A8-5E31B24C59E9}" type="datetime1">
               <a:rPr lang="it-CH" smtClean="0"/>
-              <a:t>12.01.2023</a:t>
+              <a:t>13.01.2023</a:t>
             </a:fld>
             <a:endParaRPr lang="it-CH"/>
           </a:p>
@@ -8134,7 +8381,7 @@
           <a:p>
             <a:fld id="{28A25371-A14B-4F30-B6C9-8BC6EB56F972}" type="datetime1">
               <a:rPr lang="it-CH" smtClean="0"/>
-              <a:t>12.01.2023</a:t>
+              <a:t>13.01.2023</a:t>
             </a:fld>
             <a:endParaRPr lang="it-CH"/>
           </a:p>
@@ -8323,7 +8570,7 @@
           <a:p>
             <a:fld id="{AE2C8612-E2B3-467E-B186-55EFFACA2254}" type="datetime1">
               <a:rPr lang="it-CH" smtClean="0"/>
-              <a:t>12.01.2023</a:t>
+              <a:t>13.01.2023</a:t>
             </a:fld>
             <a:endParaRPr lang="it-CH"/>
           </a:p>
@@ -8465,7 +8712,7 @@
           <a:p>
             <a:fld id="{F15875C6-D44F-4362-8FA1-539B04A4E929}" type="datetime1">
               <a:rPr lang="it-CH" smtClean="0"/>
-              <a:t>12.01.2023</a:t>
+              <a:t>13.01.2023</a:t>
             </a:fld>
             <a:endParaRPr lang="it-CH"/>
           </a:p>
@@ -9327,7 +9574,7 @@
           <a:p>
             <a:fld id="{77E87B88-8A4E-4741-848B-3DB2B7E30389}" type="datetime1">
               <a:rPr lang="it-CH" smtClean="0"/>
-              <a:t>12.01.2023</a:t>
+              <a:t>13.01.2023</a:t>
             </a:fld>
             <a:endParaRPr lang="it-CH"/>
           </a:p>
@@ -9710,7 +9957,7 @@
         </p:nvSpPr>
         <p:spPr>
           <a:xfrm>
-            <a:off x="6487064" y="1764827"/>
+            <a:off x="6249743" y="1744049"/>
             <a:ext cx="5167223" cy="452685"/>
           </a:xfrm>
           <a:prstGeom prst="rect">
@@ -9959,7 +10206,7 @@
             </a:r>
             <a:r>
               <a:rPr lang="it-CH" sz="1600" u="sng" dirty="0" err="1"/>
-              <a:t>instructions</a:t>
+              <a:t>spaceship</a:t>
             </a:r>
             <a:endParaRPr lang="it-CH" u="sng" dirty="0"/>
           </a:p>
@@ -10011,12 +10258,69 @@
           </a:effectLst>
         </p:spPr>
       </p:pic>
+      <p:sp>
+        <p:nvSpPr>
+          <p:cNvPr id="14" name="Segnaposto data 13">
+            <a:extLst>
+              <a:ext uri="{FF2B5EF4-FFF2-40B4-BE49-F238E27FC236}">
+                <a16:creationId xmlns:a16="http://schemas.microsoft.com/office/drawing/2014/main" id="{6520DBFF-007F-C05D-AC05-FF6AAB9E6CAD}"/>
+              </a:ext>
+            </a:extLst>
+          </p:cNvPr>
+          <p:cNvSpPr>
+            <a:spLocks noGrp="1"/>
+          </p:cNvSpPr>
+          <p:nvPr>
+            <p:ph type="dt" sz="half" idx="10"/>
+          </p:nvPr>
+        </p:nvSpPr>
+        <p:spPr/>
+        <p:txBody>
+          <a:bodyPr/>
+          <a:lstStyle/>
+          <a:p>
+            <a:fld id="{D2D2CA86-9259-4C94-9ABA-9AADEC5A9AB5}" type="datetime1">
+              <a:rPr lang="it-CH" smtClean="0"/>
+              <a:t>13.01.2023</a:t>
+            </a:fld>
+            <a:endParaRPr lang="it-CH"/>
+          </a:p>
+        </p:txBody>
+      </p:sp>
+      <p:sp>
+        <p:nvSpPr>
+          <p:cNvPr id="15" name="Segnaposto piè di pagina 14">
+            <a:extLst>
+              <a:ext uri="{FF2B5EF4-FFF2-40B4-BE49-F238E27FC236}">
+                <a16:creationId xmlns:a16="http://schemas.microsoft.com/office/drawing/2014/main" id="{2B2A8157-332E-4FAF-D0F0-6E7CDE0F8092}"/>
+              </a:ext>
+            </a:extLst>
+          </p:cNvPr>
+          <p:cNvSpPr>
+            <a:spLocks noGrp="1"/>
+          </p:cNvSpPr>
+          <p:nvPr>
+            <p:ph type="ftr" sz="quarter" idx="11"/>
+          </p:nvPr>
+        </p:nvSpPr>
+        <p:spPr/>
+        <p:txBody>
+          <a:bodyPr/>
+          <a:lstStyle/>
+          <a:p>
+            <a:r>
+              <a:rPr lang="it-CH"/>
+              <a:t>Alessandro Perri</a:t>
+            </a:r>
+          </a:p>
+        </p:txBody>
+      </p:sp>
       <p:pic>
         <p:nvPicPr>
-          <p:cNvPr id="13" name="Immagine 12">
+          <p:cNvPr id="9" name="Immagine 8">
             <a:extLst>
               <a:ext uri="{FF2B5EF4-FFF2-40B4-BE49-F238E27FC236}">
-                <a16:creationId xmlns:a16="http://schemas.microsoft.com/office/drawing/2014/main" id="{330230DF-975C-267A-8601-3CECBC60E7EA}"/>
+                <a16:creationId xmlns:a16="http://schemas.microsoft.com/office/drawing/2014/main" id="{9188110F-5C34-4D72-B52E-B592A93909DC}"/>
               </a:ext>
             </a:extLst>
           </p:cNvPr>
@@ -10039,8 +10343,8 @@
         </p:blipFill>
         <p:spPr>
           <a:xfrm>
-            <a:off x="6483069" y="2227710"/>
-            <a:ext cx="5171217" cy="3449187"/>
+            <a:off x="6249743" y="2229013"/>
+            <a:ext cx="5156204" cy="3425450"/>
           </a:xfrm>
           <a:prstGeom prst="rect">
             <a:avLst/>
@@ -10057,63 +10361,6 @@
           </a:effectLst>
         </p:spPr>
       </p:pic>
-      <p:sp>
-        <p:nvSpPr>
-          <p:cNvPr id="14" name="Segnaposto data 13">
-            <a:extLst>
-              <a:ext uri="{FF2B5EF4-FFF2-40B4-BE49-F238E27FC236}">
-                <a16:creationId xmlns:a16="http://schemas.microsoft.com/office/drawing/2014/main" id="{6520DBFF-007F-C05D-AC05-FF6AAB9E6CAD}"/>
-              </a:ext>
-            </a:extLst>
-          </p:cNvPr>
-          <p:cNvSpPr>
-            <a:spLocks noGrp="1"/>
-          </p:cNvSpPr>
-          <p:nvPr>
-            <p:ph type="dt" sz="half" idx="10"/>
-          </p:nvPr>
-        </p:nvSpPr>
-        <p:spPr/>
-        <p:txBody>
-          <a:bodyPr/>
-          <a:lstStyle/>
-          <a:p>
-            <a:fld id="{D2D2CA86-9259-4C94-9ABA-9AADEC5A9AB5}" type="datetime1">
-              <a:rPr lang="it-CH" smtClean="0"/>
-              <a:t>12.01.2023</a:t>
-            </a:fld>
-            <a:endParaRPr lang="it-CH"/>
-          </a:p>
-        </p:txBody>
-      </p:sp>
-      <p:sp>
-        <p:nvSpPr>
-          <p:cNvPr id="15" name="Segnaposto piè di pagina 14">
-            <a:extLst>
-              <a:ext uri="{FF2B5EF4-FFF2-40B4-BE49-F238E27FC236}">
-                <a16:creationId xmlns:a16="http://schemas.microsoft.com/office/drawing/2014/main" id="{2B2A8157-332E-4FAF-D0F0-6E7CDE0F8092}"/>
-              </a:ext>
-            </a:extLst>
-          </p:cNvPr>
-          <p:cNvSpPr>
-            <a:spLocks noGrp="1"/>
-          </p:cNvSpPr>
-          <p:nvPr>
-            <p:ph type="ftr" sz="quarter" idx="11"/>
-          </p:nvPr>
-        </p:nvSpPr>
-        <p:spPr/>
-        <p:txBody>
-          <a:bodyPr/>
-          <a:lstStyle/>
-          <a:p>
-            <a:r>
-              <a:rPr lang="it-CH"/>
-              <a:t>Alessandro Perri</a:t>
-            </a:r>
-          </a:p>
-        </p:txBody>
-      </p:sp>
     </p:spTree>
     <p:extLst>
       <p:ext uri="{BB962C8B-B14F-4D97-AF65-F5344CB8AC3E}">
@@ -10162,7 +10409,7 @@
         </p:nvSpPr>
         <p:spPr>
           <a:xfrm>
-            <a:off x="684212" y="396596"/>
+            <a:off x="684212" y="163683"/>
             <a:ext cx="8534400" cy="1507067"/>
           </a:xfrm>
         </p:spPr>
@@ -10174,7 +10421,7 @@
           <a:p>
             <a:r>
               <a:rPr lang="it-CH" sz="4000" dirty="0"/>
-              <a:t>Struttura</a:t>
+              <a:t>Design</a:t>
             </a:r>
             <a:endParaRPr lang="it-CH" sz="4800" dirty="0"/>
           </a:p>
@@ -10182,93 +10429,281 @@
       </p:sp>
       <p:sp>
         <p:nvSpPr>
-          <p:cNvPr id="3" name="Segnaposto contenuto 2">
+          <p:cNvPr id="10" name="Segnaposto contenuto 2">
             <a:extLst>
               <a:ext uri="{FF2B5EF4-FFF2-40B4-BE49-F238E27FC236}">
-                <a16:creationId xmlns:a16="http://schemas.microsoft.com/office/drawing/2014/main" id="{078BAFA8-35BB-3D0D-27C5-201B761D541F}"/>
+                <a16:creationId xmlns:a16="http://schemas.microsoft.com/office/drawing/2014/main" id="{58ED4C74-A7E0-D0EB-A4F4-BDE0D035FB68}"/>
               </a:ext>
             </a:extLst>
           </p:cNvPr>
-          <p:cNvSpPr>
-            <a:spLocks noGrp="1"/>
-          </p:cNvSpPr>
-          <p:nvPr>
-            <p:ph idx="1"/>
-          </p:nvPr>
+          <p:cNvSpPr txBox="1">
+            <a:spLocks/>
+          </p:cNvSpPr>
+          <p:nvPr/>
         </p:nvSpPr>
         <p:spPr>
           <a:xfrm>
-            <a:off x="659886" y="1590569"/>
-            <a:ext cx="8534400" cy="1079479"/>
+            <a:off x="319661" y="1939710"/>
+            <a:ext cx="5171216" cy="452685"/>
           </a:xfrm>
+          <a:prstGeom prst="rect">
+            <a:avLst/>
+          </a:prstGeom>
         </p:spPr>
         <p:txBody>
-          <a:bodyPr anchor="t">
-            <a:normAutofit fontScale="85000" lnSpcReduction="20000"/>
+          <a:bodyPr vert="horz" lIns="91440" tIns="45720" rIns="91440" bIns="45720" rtlCol="0" anchor="t">
+            <a:normAutofit/>
           </a:bodyPr>
-          <a:lstStyle/>
-          <a:p>
-            <a:r>
-              <a:rPr lang="it-IT" dirty="0"/>
-              <a:t>La struttura delle varie classi è molto chiara</a:t>
-            </a:r>
-          </a:p>
-          <a:p>
-            <a:r>
-              <a:rPr lang="it-IT" dirty="0"/>
-              <a:t>Assets </a:t>
-            </a:r>
-            <a:r>
-              <a:rPr lang="it-IT" dirty="0">
-                <a:sym typeface="Wingdings" panose="05000000000000000000" pitchFamily="2" charset="2"/>
-              </a:rPr>
-              <a:t> </a:t>
-            </a:r>
-            <a:r>
-              <a:rPr lang="it-IT" u="sng" dirty="0">
-                <a:sym typeface="Wingdings" panose="05000000000000000000" pitchFamily="2" charset="2"/>
-              </a:rPr>
-              <a:t>libreria e immagini</a:t>
-            </a:r>
-          </a:p>
-          <a:p>
-            <a:r>
-              <a:rPr lang="it-IT" dirty="0" err="1">
-                <a:sym typeface="Wingdings" panose="05000000000000000000" pitchFamily="2" charset="2"/>
-              </a:rPr>
-              <a:t>Js</a:t>
-            </a:r>
-            <a:r>
-              <a:rPr lang="it-IT" dirty="0">
-                <a:sym typeface="Wingdings" panose="05000000000000000000" pitchFamily="2" charset="2"/>
-              </a:rPr>
-              <a:t>  </a:t>
-            </a:r>
-            <a:r>
-              <a:rPr lang="it-IT" u="sng" dirty="0">
-                <a:sym typeface="Wingdings" panose="05000000000000000000" pitchFamily="2" charset="2"/>
-              </a:rPr>
-              <a:t>scene e </a:t>
-            </a:r>
-            <a:r>
-              <a:rPr lang="it-IT" u="sng" dirty="0" err="1">
-                <a:sym typeface="Wingdings" panose="05000000000000000000" pitchFamily="2" charset="2"/>
-              </a:rPr>
-              <a:t>sprite</a:t>
-            </a:r>
-            <a:endParaRPr lang="it-IT" u="sng" dirty="0"/>
-          </a:p>
-          <a:p>
-            <a:endParaRPr lang="it-IT" dirty="0"/>
-          </a:p>
-        </p:txBody>
-      </p:sp>
-      <p:sp>
-        <p:nvSpPr>
-          <p:cNvPr id="4" name="Segnaposto data 3">
+          <a:lstStyle>
+            <a:lvl1pPr marL="285750" indent="-285750" algn="l" defTabSz="457200" rtl="0" eaLnBrk="1" latinLnBrk="0" hangingPunct="1">
+              <a:spcBef>
+                <a:spcPct val="20000"/>
+              </a:spcBef>
+              <a:spcAft>
+                <a:spcPts val="600"/>
+              </a:spcAft>
+              <a:buClr>
+                <a:schemeClr val="tx1"/>
+              </a:buClr>
+              <a:buSzPct val="80000"/>
+              <a:buFont typeface="Wingdings 3" panose="05040102010807070707" pitchFamily="18" charset="2"/>
+              <a:buChar char=""/>
+              <a:defRPr sz="2000" kern="1200" cap="none">
+                <a:solidFill>
+                  <a:schemeClr val="bg2">
+                    <a:lumMod val="75000"/>
+                  </a:schemeClr>
+                </a:solidFill>
+                <a:effectLst/>
+                <a:latin typeface="+mn-lt"/>
+                <a:ea typeface="+mn-ea"/>
+                <a:cs typeface="+mn-cs"/>
+              </a:defRPr>
+            </a:lvl1pPr>
+            <a:lvl2pPr marL="742950" indent="-285750" algn="l" defTabSz="457200" rtl="0" eaLnBrk="1" latinLnBrk="0" hangingPunct="1">
+              <a:spcBef>
+                <a:spcPct val="20000"/>
+              </a:spcBef>
+              <a:spcAft>
+                <a:spcPts val="600"/>
+              </a:spcAft>
+              <a:buClr>
+                <a:schemeClr val="tx1"/>
+              </a:buClr>
+              <a:buSzPct val="80000"/>
+              <a:buFont typeface="Wingdings 3" panose="05040102010807070707" pitchFamily="18" charset="2"/>
+              <a:buChar char=""/>
+              <a:defRPr sz="1800" kern="1200" cap="none">
+                <a:solidFill>
+                  <a:schemeClr val="bg2">
+                    <a:lumMod val="75000"/>
+                  </a:schemeClr>
+                </a:solidFill>
+                <a:effectLst/>
+                <a:latin typeface="+mn-lt"/>
+                <a:ea typeface="+mn-ea"/>
+                <a:cs typeface="+mn-cs"/>
+              </a:defRPr>
+            </a:lvl2pPr>
+            <a:lvl3pPr marL="1200150" indent="-285750" algn="l" defTabSz="457200" rtl="0" eaLnBrk="1" latinLnBrk="0" hangingPunct="1">
+              <a:spcBef>
+                <a:spcPct val="20000"/>
+              </a:spcBef>
+              <a:spcAft>
+                <a:spcPts val="600"/>
+              </a:spcAft>
+              <a:buClr>
+                <a:schemeClr val="tx1"/>
+              </a:buClr>
+              <a:buSzPct val="80000"/>
+              <a:buFont typeface="Wingdings 3" panose="05040102010807070707" pitchFamily="18" charset="2"/>
+              <a:buChar char=""/>
+              <a:defRPr sz="1600" kern="1200" cap="none">
+                <a:solidFill>
+                  <a:schemeClr val="bg2">
+                    <a:lumMod val="75000"/>
+                  </a:schemeClr>
+                </a:solidFill>
+                <a:effectLst/>
+                <a:latin typeface="+mn-lt"/>
+                <a:ea typeface="+mn-ea"/>
+                <a:cs typeface="+mn-cs"/>
+              </a:defRPr>
+            </a:lvl3pPr>
+            <a:lvl4pPr marL="1543050" indent="-171450" algn="l" defTabSz="457200" rtl="0" eaLnBrk="1" latinLnBrk="0" hangingPunct="1">
+              <a:spcBef>
+                <a:spcPct val="20000"/>
+              </a:spcBef>
+              <a:spcAft>
+                <a:spcPts val="600"/>
+              </a:spcAft>
+              <a:buClr>
+                <a:schemeClr val="tx1"/>
+              </a:buClr>
+              <a:buSzPct val="80000"/>
+              <a:buFont typeface="Wingdings 3" panose="05040102010807070707" pitchFamily="18" charset="2"/>
+              <a:buChar char=""/>
+              <a:defRPr sz="1400" kern="1200" cap="none">
+                <a:solidFill>
+                  <a:schemeClr val="bg2">
+                    <a:lumMod val="75000"/>
+                  </a:schemeClr>
+                </a:solidFill>
+                <a:effectLst/>
+                <a:latin typeface="+mn-lt"/>
+                <a:ea typeface="+mn-ea"/>
+                <a:cs typeface="+mn-cs"/>
+              </a:defRPr>
+            </a:lvl4pPr>
+            <a:lvl5pPr marL="2000250" indent="-171450" algn="l" defTabSz="457200" rtl="0" eaLnBrk="1" latinLnBrk="0" hangingPunct="1">
+              <a:spcBef>
+                <a:spcPct val="20000"/>
+              </a:spcBef>
+              <a:spcAft>
+                <a:spcPts val="600"/>
+              </a:spcAft>
+              <a:buClr>
+                <a:schemeClr val="tx1"/>
+              </a:buClr>
+              <a:buSzPct val="80000"/>
+              <a:buFont typeface="Wingdings 3" panose="05040102010807070707" pitchFamily="18" charset="2"/>
+              <a:buChar char=""/>
+              <a:defRPr sz="1400" kern="1200" cap="none">
+                <a:solidFill>
+                  <a:schemeClr val="bg2">
+                    <a:lumMod val="75000"/>
+                  </a:schemeClr>
+                </a:solidFill>
+                <a:effectLst/>
+                <a:latin typeface="+mn-lt"/>
+                <a:ea typeface="+mn-ea"/>
+                <a:cs typeface="+mn-cs"/>
+              </a:defRPr>
+            </a:lvl5pPr>
+            <a:lvl6pPr marL="2514600" indent="-228600" algn="l" defTabSz="457200" rtl="0" eaLnBrk="1" latinLnBrk="0" hangingPunct="1">
+              <a:spcBef>
+                <a:spcPct val="20000"/>
+              </a:spcBef>
+              <a:spcAft>
+                <a:spcPts val="600"/>
+              </a:spcAft>
+              <a:buClr>
+                <a:schemeClr val="tx1"/>
+              </a:buClr>
+              <a:buSzPct val="80000"/>
+              <a:buFont typeface="Wingdings 3" panose="05040102010807070707" pitchFamily="18" charset="2"/>
+              <a:buChar char=""/>
+              <a:defRPr sz="1400" kern="1200" cap="none">
+                <a:solidFill>
+                  <a:schemeClr val="bg2">
+                    <a:lumMod val="75000"/>
+                  </a:schemeClr>
+                </a:solidFill>
+                <a:effectLst/>
+                <a:latin typeface="+mn-lt"/>
+                <a:ea typeface="+mn-ea"/>
+                <a:cs typeface="+mn-cs"/>
+              </a:defRPr>
+            </a:lvl6pPr>
+            <a:lvl7pPr marL="2971800" indent="-228600" algn="l" defTabSz="457200" rtl="0" eaLnBrk="1" latinLnBrk="0" hangingPunct="1">
+              <a:spcBef>
+                <a:spcPct val="20000"/>
+              </a:spcBef>
+              <a:spcAft>
+                <a:spcPts val="600"/>
+              </a:spcAft>
+              <a:buClr>
+                <a:schemeClr val="tx1"/>
+              </a:buClr>
+              <a:buSzPct val="80000"/>
+              <a:buFont typeface="Wingdings 3" panose="05040102010807070707" pitchFamily="18" charset="2"/>
+              <a:buChar char=""/>
+              <a:defRPr sz="1400" kern="1200" cap="none">
+                <a:solidFill>
+                  <a:schemeClr val="bg2">
+                    <a:lumMod val="75000"/>
+                  </a:schemeClr>
+                </a:solidFill>
+                <a:effectLst/>
+                <a:latin typeface="+mn-lt"/>
+                <a:ea typeface="+mn-ea"/>
+                <a:cs typeface="+mn-cs"/>
+              </a:defRPr>
+            </a:lvl7pPr>
+            <a:lvl8pPr marL="3429000" indent="-228600" algn="l" defTabSz="457200" rtl="0" eaLnBrk="1" latinLnBrk="0" hangingPunct="1">
+              <a:spcBef>
+                <a:spcPct val="20000"/>
+              </a:spcBef>
+              <a:spcAft>
+                <a:spcPts val="600"/>
+              </a:spcAft>
+              <a:buClr>
+                <a:schemeClr val="tx1"/>
+              </a:buClr>
+              <a:buSzPct val="80000"/>
+              <a:buFont typeface="Wingdings 3" panose="05040102010807070707" pitchFamily="18" charset="2"/>
+              <a:buChar char=""/>
+              <a:defRPr sz="1400" kern="1200" cap="none">
+                <a:solidFill>
+                  <a:schemeClr val="bg2">
+                    <a:lumMod val="75000"/>
+                  </a:schemeClr>
+                </a:solidFill>
+                <a:effectLst/>
+                <a:latin typeface="+mn-lt"/>
+                <a:ea typeface="+mn-ea"/>
+                <a:cs typeface="+mn-cs"/>
+              </a:defRPr>
+            </a:lvl8pPr>
+            <a:lvl9pPr marL="3886200" indent="-228600" algn="l" defTabSz="457200" rtl="0" eaLnBrk="1" latinLnBrk="0" hangingPunct="1">
+              <a:spcBef>
+                <a:spcPct val="20000"/>
+              </a:spcBef>
+              <a:spcAft>
+                <a:spcPts val="600"/>
+              </a:spcAft>
+              <a:buClr>
+                <a:schemeClr val="tx1"/>
+              </a:buClr>
+              <a:buSzPct val="80000"/>
+              <a:buFont typeface="Wingdings 3" panose="05040102010807070707" pitchFamily="18" charset="2"/>
+              <a:buChar char=""/>
+              <a:defRPr sz="1400" kern="1200" cap="none">
+                <a:solidFill>
+                  <a:schemeClr val="bg2">
+                    <a:lumMod val="75000"/>
+                  </a:schemeClr>
+                </a:solidFill>
+                <a:effectLst/>
+                <a:latin typeface="+mn-lt"/>
+                <a:ea typeface="+mn-ea"/>
+                <a:cs typeface="+mn-cs"/>
+              </a:defRPr>
+            </a:lvl9pPr>
+          </a:lstStyle>
+          <a:p>
+            <a:pPr marL="0" indent="0" algn="ctr">
+              <a:buFont typeface="Wingdings 3" panose="05040102010807070707" pitchFamily="18" charset="2"/>
+              <a:buNone/>
+            </a:pPr>
+            <a:r>
+              <a:rPr lang="it-CH" sz="1600" u="sng" dirty="0"/>
+              <a:t>Button </a:t>
+            </a:r>
+            <a:r>
+              <a:rPr lang="it-CH" sz="1600" u="sng" dirty="0" err="1"/>
+              <a:t>instructions</a:t>
+            </a:r>
+            <a:endParaRPr lang="it-CH" u="sng" dirty="0"/>
+          </a:p>
+        </p:txBody>
+      </p:sp>
+      <p:sp>
+        <p:nvSpPr>
+          <p:cNvPr id="14" name="Segnaposto data 13">
             <a:extLst>
               <a:ext uri="{FF2B5EF4-FFF2-40B4-BE49-F238E27FC236}">
-                <a16:creationId xmlns:a16="http://schemas.microsoft.com/office/drawing/2014/main" id="{798E85C1-B357-3524-56B4-2EBBF51903CA}"/>
+                <a16:creationId xmlns:a16="http://schemas.microsoft.com/office/drawing/2014/main" id="{6520DBFF-007F-C05D-AC05-FF6AAB9E6CAD}"/>
               </a:ext>
             </a:extLst>
           </p:cNvPr>
@@ -10284,9 +10719,9 @@
           <a:bodyPr/>
           <a:lstStyle/>
           <a:p>
-            <a:fld id="{4ABF0D6F-8411-4776-BE52-983B74FEDAD2}" type="datetime1">
+            <a:fld id="{D2D2CA86-9259-4C94-9ABA-9AADEC5A9AB5}" type="datetime1">
               <a:rPr lang="it-CH" smtClean="0"/>
-              <a:t>12.01.2023</a:t>
+              <a:t>13.01.2023</a:t>
             </a:fld>
             <a:endParaRPr lang="it-CH"/>
           </a:p>
@@ -10294,10 +10729,10 @@
       </p:sp>
       <p:sp>
         <p:nvSpPr>
-          <p:cNvPr id="5" name="Segnaposto piè di pagina 4">
+          <p:cNvPr id="15" name="Segnaposto piè di pagina 14">
             <a:extLst>
               <a:ext uri="{FF2B5EF4-FFF2-40B4-BE49-F238E27FC236}">
-                <a16:creationId xmlns:a16="http://schemas.microsoft.com/office/drawing/2014/main" id="{E9CE9A12-B7F6-9102-C04B-453124489C73}"/>
+                <a16:creationId xmlns:a16="http://schemas.microsoft.com/office/drawing/2014/main" id="{2B2A8157-332E-4FAF-D0F0-6E7CDE0F8092}"/>
               </a:ext>
             </a:extLst>
           </p:cNvPr>
@@ -10314,7 +10749,7 @@
           <a:lstStyle/>
           <a:p>
             <a:r>
-              <a:rPr lang="it-CH" dirty="0"/>
+              <a:rPr lang="it-CH"/>
               <a:t>Alessandro Perri</a:t>
             </a:r>
           </a:p>
@@ -10322,10 +10757,10 @@
       </p:sp>
       <p:pic>
         <p:nvPicPr>
-          <p:cNvPr id="7" name="Immagine 6">
+          <p:cNvPr id="16" name="Immagine 15">
             <a:extLst>
               <a:ext uri="{FF2B5EF4-FFF2-40B4-BE49-F238E27FC236}">
-                <a16:creationId xmlns:a16="http://schemas.microsoft.com/office/drawing/2014/main" id="{96786835-EB21-5C2B-65BD-BABF858C8605}"/>
+                <a16:creationId xmlns:a16="http://schemas.microsoft.com/office/drawing/2014/main" id="{5AFE85C7-E0C2-43A4-A935-6D4DA112E31B}"/>
               </a:ext>
             </a:extLst>
           </p:cNvPr>
@@ -10335,15 +10770,21 @@
           <p:nvPr/>
         </p:nvPicPr>
         <p:blipFill>
-          <a:blip r:embed="rId3"/>
+          <a:blip r:embed="rId2">
+            <a:extLst>
+              <a:ext uri="{28A0092B-C50C-407E-A947-70E740481C1C}">
+                <a14:useLocalDpi xmlns:a14="http://schemas.microsoft.com/office/drawing/2010/main" val="0"/>
+              </a:ext>
+            </a:extLst>
+          </a:blip>
           <a:stretch>
             <a:fillRect/>
           </a:stretch>
         </p:blipFill>
         <p:spPr>
           <a:xfrm>
-            <a:off x="7235962" y="444733"/>
-            <a:ext cx="2591529" cy="5865040"/>
+            <a:off x="319661" y="2392395"/>
+            <a:ext cx="5171217" cy="3449187"/>
           </a:xfrm>
           <a:prstGeom prst="rect">
             <a:avLst/>
@@ -10360,10 +10801,323 @@
           </a:effectLst>
         </p:spPr>
       </p:pic>
+      <p:pic>
+        <p:nvPicPr>
+          <p:cNvPr id="9" name="Immagine 8">
+            <a:extLst>
+              <a:ext uri="{FF2B5EF4-FFF2-40B4-BE49-F238E27FC236}">
+                <a16:creationId xmlns:a16="http://schemas.microsoft.com/office/drawing/2014/main" id="{B39D4874-36B6-487B-A8C2-334FFB2AC190}"/>
+              </a:ext>
+            </a:extLst>
+          </p:cNvPr>
+          <p:cNvPicPr>
+            <a:picLocks noChangeAspect="1"/>
+          </p:cNvPicPr>
+          <p:nvPr/>
+        </p:nvPicPr>
+        <p:blipFill>
+          <a:blip r:embed="rId3">
+            <a:extLst>
+              <a:ext uri="{28A0092B-C50C-407E-A947-70E740481C1C}">
+                <a14:useLocalDpi xmlns:a14="http://schemas.microsoft.com/office/drawing/2010/main" val="0"/>
+              </a:ext>
+            </a:extLst>
+          </a:blip>
+          <a:stretch>
+            <a:fillRect/>
+          </a:stretch>
+        </p:blipFill>
+        <p:spPr>
+          <a:xfrm>
+            <a:off x="6279351" y="2356720"/>
+            <a:ext cx="5225261" cy="3449187"/>
+          </a:xfrm>
+          <a:prstGeom prst="rect">
+            <a:avLst/>
+          </a:prstGeom>
+          <a:ln>
+            <a:noFill/>
+          </a:ln>
+          <a:effectLst>
+            <a:outerShdw blurRad="190500" algn="tl" rotWithShape="0">
+              <a:srgbClr val="000000">
+                <a:alpha val="70000"/>
+              </a:srgbClr>
+            </a:outerShdw>
+          </a:effectLst>
+        </p:spPr>
+      </p:pic>
+      <p:sp>
+        <p:nvSpPr>
+          <p:cNvPr id="17" name="Segnaposto contenuto 2">
+            <a:extLst>
+              <a:ext uri="{FF2B5EF4-FFF2-40B4-BE49-F238E27FC236}">
+                <a16:creationId xmlns:a16="http://schemas.microsoft.com/office/drawing/2014/main" id="{7AAD5F8A-EF82-4800-A6BE-114270C69A5E}"/>
+              </a:ext>
+            </a:extLst>
+          </p:cNvPr>
+          <p:cNvSpPr txBox="1">
+            <a:spLocks/>
+          </p:cNvSpPr>
+          <p:nvPr/>
+        </p:nvSpPr>
+        <p:spPr>
+          <a:xfrm>
+            <a:off x="6096000" y="1935295"/>
+            <a:ext cx="5171216" cy="452685"/>
+          </a:xfrm>
+          <a:prstGeom prst="rect">
+            <a:avLst/>
+          </a:prstGeom>
+        </p:spPr>
+        <p:txBody>
+          <a:bodyPr vert="horz" lIns="91440" tIns="45720" rIns="91440" bIns="45720" rtlCol="0" anchor="t">
+            <a:normAutofit/>
+          </a:bodyPr>
+          <a:lstStyle>
+            <a:lvl1pPr marL="285750" indent="-285750" algn="l" defTabSz="457200" rtl="0" eaLnBrk="1" latinLnBrk="0" hangingPunct="1">
+              <a:spcBef>
+                <a:spcPct val="20000"/>
+              </a:spcBef>
+              <a:spcAft>
+                <a:spcPts val="600"/>
+              </a:spcAft>
+              <a:buClr>
+                <a:schemeClr val="tx1"/>
+              </a:buClr>
+              <a:buSzPct val="80000"/>
+              <a:buFont typeface="Wingdings 3" panose="05040102010807070707" pitchFamily="18" charset="2"/>
+              <a:buChar char=""/>
+              <a:defRPr sz="2000" kern="1200" cap="none">
+                <a:solidFill>
+                  <a:schemeClr val="bg2">
+                    <a:lumMod val="75000"/>
+                  </a:schemeClr>
+                </a:solidFill>
+                <a:effectLst/>
+                <a:latin typeface="+mn-lt"/>
+                <a:ea typeface="+mn-ea"/>
+                <a:cs typeface="+mn-cs"/>
+              </a:defRPr>
+            </a:lvl1pPr>
+            <a:lvl2pPr marL="742950" indent="-285750" algn="l" defTabSz="457200" rtl="0" eaLnBrk="1" latinLnBrk="0" hangingPunct="1">
+              <a:spcBef>
+                <a:spcPct val="20000"/>
+              </a:spcBef>
+              <a:spcAft>
+                <a:spcPts val="600"/>
+              </a:spcAft>
+              <a:buClr>
+                <a:schemeClr val="tx1"/>
+              </a:buClr>
+              <a:buSzPct val="80000"/>
+              <a:buFont typeface="Wingdings 3" panose="05040102010807070707" pitchFamily="18" charset="2"/>
+              <a:buChar char=""/>
+              <a:defRPr sz="1800" kern="1200" cap="none">
+                <a:solidFill>
+                  <a:schemeClr val="bg2">
+                    <a:lumMod val="75000"/>
+                  </a:schemeClr>
+                </a:solidFill>
+                <a:effectLst/>
+                <a:latin typeface="+mn-lt"/>
+                <a:ea typeface="+mn-ea"/>
+                <a:cs typeface="+mn-cs"/>
+              </a:defRPr>
+            </a:lvl2pPr>
+            <a:lvl3pPr marL="1200150" indent="-285750" algn="l" defTabSz="457200" rtl="0" eaLnBrk="1" latinLnBrk="0" hangingPunct="1">
+              <a:spcBef>
+                <a:spcPct val="20000"/>
+              </a:spcBef>
+              <a:spcAft>
+                <a:spcPts val="600"/>
+              </a:spcAft>
+              <a:buClr>
+                <a:schemeClr val="tx1"/>
+              </a:buClr>
+              <a:buSzPct val="80000"/>
+              <a:buFont typeface="Wingdings 3" panose="05040102010807070707" pitchFamily="18" charset="2"/>
+              <a:buChar char=""/>
+              <a:defRPr sz="1600" kern="1200" cap="none">
+                <a:solidFill>
+                  <a:schemeClr val="bg2">
+                    <a:lumMod val="75000"/>
+                  </a:schemeClr>
+                </a:solidFill>
+                <a:effectLst/>
+                <a:latin typeface="+mn-lt"/>
+                <a:ea typeface="+mn-ea"/>
+                <a:cs typeface="+mn-cs"/>
+              </a:defRPr>
+            </a:lvl3pPr>
+            <a:lvl4pPr marL="1543050" indent="-171450" algn="l" defTabSz="457200" rtl="0" eaLnBrk="1" latinLnBrk="0" hangingPunct="1">
+              <a:spcBef>
+                <a:spcPct val="20000"/>
+              </a:spcBef>
+              <a:spcAft>
+                <a:spcPts val="600"/>
+              </a:spcAft>
+              <a:buClr>
+                <a:schemeClr val="tx1"/>
+              </a:buClr>
+              <a:buSzPct val="80000"/>
+              <a:buFont typeface="Wingdings 3" panose="05040102010807070707" pitchFamily="18" charset="2"/>
+              <a:buChar char=""/>
+              <a:defRPr sz="1400" kern="1200" cap="none">
+                <a:solidFill>
+                  <a:schemeClr val="bg2">
+                    <a:lumMod val="75000"/>
+                  </a:schemeClr>
+                </a:solidFill>
+                <a:effectLst/>
+                <a:latin typeface="+mn-lt"/>
+                <a:ea typeface="+mn-ea"/>
+                <a:cs typeface="+mn-cs"/>
+              </a:defRPr>
+            </a:lvl4pPr>
+            <a:lvl5pPr marL="2000250" indent="-171450" algn="l" defTabSz="457200" rtl="0" eaLnBrk="1" latinLnBrk="0" hangingPunct="1">
+              <a:spcBef>
+                <a:spcPct val="20000"/>
+              </a:spcBef>
+              <a:spcAft>
+                <a:spcPts val="600"/>
+              </a:spcAft>
+              <a:buClr>
+                <a:schemeClr val="tx1"/>
+              </a:buClr>
+              <a:buSzPct val="80000"/>
+              <a:buFont typeface="Wingdings 3" panose="05040102010807070707" pitchFamily="18" charset="2"/>
+              <a:buChar char=""/>
+              <a:defRPr sz="1400" kern="1200" cap="none">
+                <a:solidFill>
+                  <a:schemeClr val="bg2">
+                    <a:lumMod val="75000"/>
+                  </a:schemeClr>
+                </a:solidFill>
+                <a:effectLst/>
+                <a:latin typeface="+mn-lt"/>
+                <a:ea typeface="+mn-ea"/>
+                <a:cs typeface="+mn-cs"/>
+              </a:defRPr>
+            </a:lvl5pPr>
+            <a:lvl6pPr marL="2514600" indent="-228600" algn="l" defTabSz="457200" rtl="0" eaLnBrk="1" latinLnBrk="0" hangingPunct="1">
+              <a:spcBef>
+                <a:spcPct val="20000"/>
+              </a:spcBef>
+              <a:spcAft>
+                <a:spcPts val="600"/>
+              </a:spcAft>
+              <a:buClr>
+                <a:schemeClr val="tx1"/>
+              </a:buClr>
+              <a:buSzPct val="80000"/>
+              <a:buFont typeface="Wingdings 3" panose="05040102010807070707" pitchFamily="18" charset="2"/>
+              <a:buChar char=""/>
+              <a:defRPr sz="1400" kern="1200" cap="none">
+                <a:solidFill>
+                  <a:schemeClr val="bg2">
+                    <a:lumMod val="75000"/>
+                  </a:schemeClr>
+                </a:solidFill>
+                <a:effectLst/>
+                <a:latin typeface="+mn-lt"/>
+                <a:ea typeface="+mn-ea"/>
+                <a:cs typeface="+mn-cs"/>
+              </a:defRPr>
+            </a:lvl6pPr>
+            <a:lvl7pPr marL="2971800" indent="-228600" algn="l" defTabSz="457200" rtl="0" eaLnBrk="1" latinLnBrk="0" hangingPunct="1">
+              <a:spcBef>
+                <a:spcPct val="20000"/>
+              </a:spcBef>
+              <a:spcAft>
+                <a:spcPts val="600"/>
+              </a:spcAft>
+              <a:buClr>
+                <a:schemeClr val="tx1"/>
+              </a:buClr>
+              <a:buSzPct val="80000"/>
+              <a:buFont typeface="Wingdings 3" panose="05040102010807070707" pitchFamily="18" charset="2"/>
+              <a:buChar char=""/>
+              <a:defRPr sz="1400" kern="1200" cap="none">
+                <a:solidFill>
+                  <a:schemeClr val="bg2">
+                    <a:lumMod val="75000"/>
+                  </a:schemeClr>
+                </a:solidFill>
+                <a:effectLst/>
+                <a:latin typeface="+mn-lt"/>
+                <a:ea typeface="+mn-ea"/>
+                <a:cs typeface="+mn-cs"/>
+              </a:defRPr>
+            </a:lvl7pPr>
+            <a:lvl8pPr marL="3429000" indent="-228600" algn="l" defTabSz="457200" rtl="0" eaLnBrk="1" latinLnBrk="0" hangingPunct="1">
+              <a:spcBef>
+                <a:spcPct val="20000"/>
+              </a:spcBef>
+              <a:spcAft>
+                <a:spcPts val="600"/>
+              </a:spcAft>
+              <a:buClr>
+                <a:schemeClr val="tx1"/>
+              </a:buClr>
+              <a:buSzPct val="80000"/>
+              <a:buFont typeface="Wingdings 3" panose="05040102010807070707" pitchFamily="18" charset="2"/>
+              <a:buChar char=""/>
+              <a:defRPr sz="1400" kern="1200" cap="none">
+                <a:solidFill>
+                  <a:schemeClr val="bg2">
+                    <a:lumMod val="75000"/>
+                  </a:schemeClr>
+                </a:solidFill>
+                <a:effectLst/>
+                <a:latin typeface="+mn-lt"/>
+                <a:ea typeface="+mn-ea"/>
+                <a:cs typeface="+mn-cs"/>
+              </a:defRPr>
+            </a:lvl8pPr>
+            <a:lvl9pPr marL="3886200" indent="-228600" algn="l" defTabSz="457200" rtl="0" eaLnBrk="1" latinLnBrk="0" hangingPunct="1">
+              <a:spcBef>
+                <a:spcPct val="20000"/>
+              </a:spcBef>
+              <a:spcAft>
+                <a:spcPts val="600"/>
+              </a:spcAft>
+              <a:buClr>
+                <a:schemeClr val="tx1"/>
+              </a:buClr>
+              <a:buSzPct val="80000"/>
+              <a:buFont typeface="Wingdings 3" panose="05040102010807070707" pitchFamily="18" charset="2"/>
+              <a:buChar char=""/>
+              <a:defRPr sz="1400" kern="1200" cap="none">
+                <a:solidFill>
+                  <a:schemeClr val="bg2">
+                    <a:lumMod val="75000"/>
+                  </a:schemeClr>
+                </a:solidFill>
+                <a:effectLst/>
+                <a:latin typeface="+mn-lt"/>
+                <a:ea typeface="+mn-ea"/>
+                <a:cs typeface="+mn-cs"/>
+              </a:defRPr>
+            </a:lvl9pPr>
+          </a:lstStyle>
+          <a:p>
+            <a:pPr marL="0" indent="0" algn="ctr">
+              <a:buFont typeface="Wingdings 3" panose="05040102010807070707" pitchFamily="18" charset="2"/>
+              <a:buNone/>
+            </a:pPr>
+            <a:r>
+              <a:rPr lang="it-CH" sz="1600" u="sng" dirty="0"/>
+              <a:t>Game</a:t>
+            </a:r>
+            <a:endParaRPr lang="it-CH" u="sng" dirty="0"/>
+          </a:p>
+        </p:txBody>
+      </p:sp>
     </p:spTree>
     <p:extLst>
       <p:ext uri="{BB962C8B-B14F-4D97-AF65-F5344CB8AC3E}">
-        <p14:creationId xmlns:p14="http://schemas.microsoft.com/office/powerpoint/2010/main" val="3703225769"/>
+        <p14:creationId xmlns:p14="http://schemas.microsoft.com/office/powerpoint/2010/main" val="546165526"/>
       </p:ext>
     </p:extLst>
   </p:cSld>
